--- a/개념적모델링.pptx
+++ b/개념적모델링.pptx
@@ -104,6 +104,11 @@
       </a:defRPr>
     </a:lvl9pPr>
   </p:defaultTextStyle>
+  <p:extLst>
+    <p:ext uri="{EFAFB233-063F-42B5-8137-9DF3F51BA10A}">
+      <p15:sldGuideLst xmlns:p15="http://schemas.microsoft.com/office/powerpoint/2012/main"/>
+    </p:ext>
+  </p:extLst>
 </p:presentation>
 </file>
 
@@ -3606,8 +3611,8 @@
         </p:nvSpPr>
         <p:spPr>
           <a:xfrm>
-            <a:off x="3099489" y="5614086"/>
-            <a:ext cx="1256271" cy="432487"/>
+            <a:off x="3101545" y="5487424"/>
+            <a:ext cx="1423084" cy="432487"/>
           </a:xfrm>
           <a:prstGeom prst="ellipse">
             <a:avLst/>
@@ -3634,7 +3639,7 @@
             <a:pPr algn="ctr"/>
             <a:r>
               <a:rPr lang="en-US" altLang="ko-KR" dirty="0" smtClean="0"/>
-              <a:t>phone</a:t>
+              <a:t>location</a:t>
             </a:r>
             <a:endParaRPr lang="ko-KR" altLang="en-US" dirty="0"/>
           </a:p>
@@ -3761,6 +3766,300 @@
             <a:r>
               <a:rPr lang="en-US" altLang="ko-KR" dirty="0" err="1" smtClean="0"/>
               <a:t>dname</a:t>
+            </a:r>
+            <a:endParaRPr lang="ko-KR" altLang="en-US" dirty="0"/>
+          </a:p>
+        </p:txBody>
+      </p:sp>
+      <p:sp>
+        <p:nvSpPr>
+          <p:cNvPr id="23" name="직사각형 22"/>
+          <p:cNvSpPr/>
+          <p:nvPr/>
+        </p:nvSpPr>
+        <p:spPr>
+          <a:xfrm>
+            <a:off x="8567351" y="4693508"/>
+            <a:ext cx="1136822" cy="605481"/>
+          </a:xfrm>
+          <a:prstGeom prst="rect">
+            <a:avLst/>
+          </a:prstGeom>
+        </p:spPr>
+        <p:style>
+          <a:lnRef idx="2">
+            <a:schemeClr val="dk1"/>
+          </a:lnRef>
+          <a:fillRef idx="1">
+            <a:schemeClr val="lt1"/>
+          </a:fillRef>
+          <a:effectRef idx="0">
+            <a:schemeClr val="dk1"/>
+          </a:effectRef>
+          <a:fontRef idx="minor">
+            <a:schemeClr val="dk1"/>
+          </a:fontRef>
+        </p:style>
+        <p:txBody>
+          <a:bodyPr rtlCol="0" anchor="ctr"/>
+          <a:lstStyle/>
+          <a:p>
+            <a:pPr algn="ctr"/>
+            <a:r>
+              <a:rPr lang="en-US" altLang="ko-KR" dirty="0" smtClean="0"/>
+              <a:t>Subject</a:t>
+            </a:r>
+            <a:endParaRPr lang="ko-KR" altLang="en-US" dirty="0"/>
+          </a:p>
+        </p:txBody>
+      </p:sp>
+      <p:sp>
+        <p:nvSpPr>
+          <p:cNvPr id="24" name="타원 23"/>
+          <p:cNvSpPr/>
+          <p:nvPr/>
+        </p:nvSpPr>
+        <p:spPr>
+          <a:xfrm>
+            <a:off x="9858625" y="4153020"/>
+            <a:ext cx="922638" cy="432487"/>
+          </a:xfrm>
+          <a:prstGeom prst="ellipse">
+            <a:avLst/>
+          </a:prstGeom>
+        </p:spPr>
+        <p:style>
+          <a:lnRef idx="2">
+            <a:schemeClr val="dk1"/>
+          </a:lnRef>
+          <a:fillRef idx="1">
+            <a:schemeClr val="lt1"/>
+          </a:fillRef>
+          <a:effectRef idx="0">
+            <a:schemeClr val="dk1"/>
+          </a:effectRef>
+          <a:fontRef idx="minor">
+            <a:schemeClr val="dk1"/>
+          </a:fontRef>
+        </p:style>
+        <p:txBody>
+          <a:bodyPr rtlCol="0" anchor="ctr"/>
+          <a:lstStyle/>
+          <a:p>
+            <a:pPr algn="ctr"/>
+            <a:r>
+              <a:rPr lang="en-US" altLang="ko-KR" dirty="0" err="1" smtClean="0"/>
+              <a:t>sno</a:t>
+            </a:r>
+            <a:endParaRPr lang="ko-KR" altLang="en-US" dirty="0"/>
+          </a:p>
+        </p:txBody>
+      </p:sp>
+      <p:sp>
+        <p:nvSpPr>
+          <p:cNvPr id="25" name="타원 24"/>
+          <p:cNvSpPr/>
+          <p:nvPr/>
+        </p:nvSpPr>
+        <p:spPr>
+          <a:xfrm>
+            <a:off x="8509685" y="5521413"/>
+            <a:ext cx="1423084" cy="432487"/>
+          </a:xfrm>
+          <a:prstGeom prst="ellipse">
+            <a:avLst/>
+          </a:prstGeom>
+        </p:spPr>
+        <p:style>
+          <a:lnRef idx="2">
+            <a:schemeClr val="dk1"/>
+          </a:lnRef>
+          <a:fillRef idx="1">
+            <a:schemeClr val="lt1"/>
+          </a:fillRef>
+          <a:effectRef idx="0">
+            <a:schemeClr val="dk1"/>
+          </a:effectRef>
+          <a:fontRef idx="minor">
+            <a:schemeClr val="dk1"/>
+          </a:fontRef>
+        </p:style>
+        <p:txBody>
+          <a:bodyPr rtlCol="0" anchor="ctr"/>
+          <a:lstStyle/>
+          <a:p>
+            <a:pPr algn="ctr"/>
+            <a:r>
+              <a:rPr lang="en-US" altLang="ko-KR" dirty="0" smtClean="0"/>
+              <a:t>location</a:t>
+            </a:r>
+            <a:endParaRPr lang="ko-KR" altLang="en-US" dirty="0"/>
+          </a:p>
+        </p:txBody>
+      </p:sp>
+      <p:sp>
+        <p:nvSpPr>
+          <p:cNvPr id="26" name="타원 25"/>
+          <p:cNvSpPr/>
+          <p:nvPr/>
+        </p:nvSpPr>
+        <p:spPr>
+          <a:xfrm>
+            <a:off x="10069721" y="5579984"/>
+            <a:ext cx="1423084" cy="432487"/>
+          </a:xfrm>
+          <a:prstGeom prst="ellipse">
+            <a:avLst/>
+          </a:prstGeom>
+        </p:spPr>
+        <p:style>
+          <a:lnRef idx="2">
+            <a:schemeClr val="dk1"/>
+          </a:lnRef>
+          <a:fillRef idx="1">
+            <a:schemeClr val="lt1"/>
+          </a:fillRef>
+          <a:effectRef idx="0">
+            <a:schemeClr val="dk1"/>
+          </a:effectRef>
+          <a:fontRef idx="minor">
+            <a:schemeClr val="dk1"/>
+          </a:fontRef>
+        </p:style>
+        <p:txBody>
+          <a:bodyPr rtlCol="0" anchor="ctr"/>
+          <a:lstStyle/>
+          <a:p>
+            <a:pPr algn="ctr"/>
+            <a:r>
+              <a:rPr lang="en-US" altLang="ko-KR" dirty="0" smtClean="0"/>
+              <a:t>location</a:t>
+            </a:r>
+            <a:endParaRPr lang="ko-KR" altLang="en-US" dirty="0"/>
+          </a:p>
+        </p:txBody>
+      </p:sp>
+      <p:sp>
+        <p:nvSpPr>
+          <p:cNvPr id="27" name="타원 26"/>
+          <p:cNvSpPr/>
+          <p:nvPr/>
+        </p:nvSpPr>
+        <p:spPr>
+          <a:xfrm>
+            <a:off x="10075904" y="4753343"/>
+            <a:ext cx="1282017" cy="432487"/>
+          </a:xfrm>
+          <a:prstGeom prst="ellipse">
+            <a:avLst/>
+          </a:prstGeom>
+        </p:spPr>
+        <p:style>
+          <a:lnRef idx="2">
+            <a:schemeClr val="dk1"/>
+          </a:lnRef>
+          <a:fillRef idx="1">
+            <a:schemeClr val="lt1"/>
+          </a:fillRef>
+          <a:effectRef idx="0">
+            <a:schemeClr val="dk1"/>
+          </a:effectRef>
+          <a:fontRef idx="minor">
+            <a:schemeClr val="dk1"/>
+          </a:fontRef>
+        </p:style>
+        <p:txBody>
+          <a:bodyPr rtlCol="0" anchor="ctr"/>
+          <a:lstStyle/>
+          <a:p>
+            <a:pPr algn="ctr"/>
+            <a:r>
+              <a:rPr lang="en-US" altLang="ko-KR" dirty="0" err="1" smtClean="0"/>
+              <a:t>sname</a:t>
+            </a:r>
+            <a:endParaRPr lang="ko-KR" altLang="en-US" dirty="0"/>
+          </a:p>
+        </p:txBody>
+      </p:sp>
+      <p:sp>
+        <p:nvSpPr>
+          <p:cNvPr id="28" name="타원 27"/>
+          <p:cNvSpPr/>
+          <p:nvPr/>
+        </p:nvSpPr>
+        <p:spPr>
+          <a:xfrm>
+            <a:off x="7025848" y="5737657"/>
+            <a:ext cx="1423084" cy="432487"/>
+          </a:xfrm>
+          <a:prstGeom prst="ellipse">
+            <a:avLst/>
+          </a:prstGeom>
+        </p:spPr>
+        <p:style>
+          <a:lnRef idx="2">
+            <a:schemeClr val="dk1"/>
+          </a:lnRef>
+          <a:fillRef idx="1">
+            <a:schemeClr val="lt1"/>
+          </a:fillRef>
+          <a:effectRef idx="0">
+            <a:schemeClr val="dk1"/>
+          </a:effectRef>
+          <a:fontRef idx="minor">
+            <a:schemeClr val="dk1"/>
+          </a:fontRef>
+        </p:style>
+        <p:txBody>
+          <a:bodyPr rtlCol="0" anchor="ctr"/>
+          <a:lstStyle/>
+          <a:p>
+            <a:pPr algn="ctr"/>
+            <a:r>
+              <a:rPr lang="en-US" altLang="ko-KR" dirty="0" smtClean="0"/>
+              <a:t>location</a:t>
+            </a:r>
+            <a:endParaRPr lang="ko-KR" altLang="en-US" dirty="0"/>
+          </a:p>
+        </p:txBody>
+      </p:sp>
+      <p:sp>
+        <p:nvSpPr>
+          <p:cNvPr id="29" name="타원 28"/>
+          <p:cNvSpPr/>
+          <p:nvPr/>
+        </p:nvSpPr>
+        <p:spPr>
+          <a:xfrm>
+            <a:off x="6471851" y="5132178"/>
+            <a:ext cx="1423084" cy="432487"/>
+          </a:xfrm>
+          <a:prstGeom prst="ellipse">
+            <a:avLst/>
+          </a:prstGeom>
+        </p:spPr>
+        <p:style>
+          <a:lnRef idx="2">
+            <a:schemeClr val="dk1"/>
+          </a:lnRef>
+          <a:fillRef idx="1">
+            <a:schemeClr val="lt1"/>
+          </a:fillRef>
+          <a:effectRef idx="0">
+            <a:schemeClr val="dk1"/>
+          </a:effectRef>
+          <a:fontRef idx="minor">
+            <a:schemeClr val="dk1"/>
+          </a:fontRef>
+        </p:style>
+        <p:txBody>
+          <a:bodyPr rtlCol="0" anchor="ctr"/>
+          <a:lstStyle/>
+          <a:p>
+            <a:pPr algn="ctr"/>
+            <a:r>
+              <a:rPr lang="en-US" altLang="ko-KR" dirty="0" smtClean="0"/>
+              <a:t>location</a:t>
             </a:r>
             <a:endParaRPr lang="ko-KR" altLang="en-US" dirty="0"/>
           </a:p>

--- a/개념적모델링.pptx
+++ b/개념적모델링.pptx
@@ -6,6 +6,7 @@
   </p:sldMasterIdLst>
   <p:sldIdLst>
     <p:sldId id="256" r:id="rId2"/>
+    <p:sldId id="257" r:id="rId3"/>
   </p:sldIdLst>
   <p:sldSz cx="12192000" cy="6858000"/>
   <p:notesSz cx="6858000" cy="9144000"/>
@@ -106,7 +107,7 @@
   </p:defaultTextStyle>
   <p:extLst>
     <p:ext uri="{EFAFB233-063F-42B5-8137-9DF3F51BA10A}">
-      <p15:sldGuideLst xmlns:p15="http://schemas.microsoft.com/office/powerpoint/2012/main"/>
+      <p15:sldGuideLst xmlns:p15="http://schemas.microsoft.com/office/powerpoint/2012/main" xmlns=""/>
     </p:ext>
   </p:extLst>
 </p:presentation>
@@ -243,7 +244,7 @@
           <a:p>
             <a:fld id="{A51BB5A2-924E-4554-8645-CFA0F8AD5280}" type="datetimeFigureOut">
               <a:rPr lang="ko-KR" altLang="en-US" smtClean="0"/>
-              <a:t>2019-12-27</a:t>
+              <a:t>2019-12-28</a:t>
             </a:fld>
             <a:endParaRPr lang="ko-KR" altLang="en-US"/>
           </a:p>
@@ -413,7 +414,7 @@
           <a:p>
             <a:fld id="{A51BB5A2-924E-4554-8645-CFA0F8AD5280}" type="datetimeFigureOut">
               <a:rPr lang="ko-KR" altLang="en-US" smtClean="0"/>
-              <a:t>2019-12-27</a:t>
+              <a:t>2019-12-28</a:t>
             </a:fld>
             <a:endParaRPr lang="ko-KR" altLang="en-US"/>
           </a:p>
@@ -593,7 +594,7 @@
           <a:p>
             <a:fld id="{A51BB5A2-924E-4554-8645-CFA0F8AD5280}" type="datetimeFigureOut">
               <a:rPr lang="ko-KR" altLang="en-US" smtClean="0"/>
-              <a:t>2019-12-27</a:t>
+              <a:t>2019-12-28</a:t>
             </a:fld>
             <a:endParaRPr lang="ko-KR" altLang="en-US"/>
           </a:p>
@@ -763,7 +764,7 @@
           <a:p>
             <a:fld id="{A51BB5A2-924E-4554-8645-CFA0F8AD5280}" type="datetimeFigureOut">
               <a:rPr lang="ko-KR" altLang="en-US" smtClean="0"/>
-              <a:t>2019-12-27</a:t>
+              <a:t>2019-12-28</a:t>
             </a:fld>
             <a:endParaRPr lang="ko-KR" altLang="en-US"/>
           </a:p>
@@ -1009,7 +1010,7 @@
           <a:p>
             <a:fld id="{A51BB5A2-924E-4554-8645-CFA0F8AD5280}" type="datetimeFigureOut">
               <a:rPr lang="ko-KR" altLang="en-US" smtClean="0"/>
-              <a:t>2019-12-27</a:t>
+              <a:t>2019-12-28</a:t>
             </a:fld>
             <a:endParaRPr lang="ko-KR" altLang="en-US"/>
           </a:p>
@@ -1241,7 +1242,7 @@
           <a:p>
             <a:fld id="{A51BB5A2-924E-4554-8645-CFA0F8AD5280}" type="datetimeFigureOut">
               <a:rPr lang="ko-KR" altLang="en-US" smtClean="0"/>
-              <a:t>2019-12-27</a:t>
+              <a:t>2019-12-28</a:t>
             </a:fld>
             <a:endParaRPr lang="ko-KR" altLang="en-US"/>
           </a:p>
@@ -1608,7 +1609,7 @@
           <a:p>
             <a:fld id="{A51BB5A2-924E-4554-8645-CFA0F8AD5280}" type="datetimeFigureOut">
               <a:rPr lang="ko-KR" altLang="en-US" smtClean="0"/>
-              <a:t>2019-12-27</a:t>
+              <a:t>2019-12-28</a:t>
             </a:fld>
             <a:endParaRPr lang="ko-KR" altLang="en-US"/>
           </a:p>
@@ -1726,7 +1727,7 @@
           <a:p>
             <a:fld id="{A51BB5A2-924E-4554-8645-CFA0F8AD5280}" type="datetimeFigureOut">
               <a:rPr lang="ko-KR" altLang="en-US" smtClean="0"/>
-              <a:t>2019-12-27</a:t>
+              <a:t>2019-12-28</a:t>
             </a:fld>
             <a:endParaRPr lang="ko-KR" altLang="en-US"/>
           </a:p>
@@ -1821,7 +1822,7 @@
           <a:p>
             <a:fld id="{A51BB5A2-924E-4554-8645-CFA0F8AD5280}" type="datetimeFigureOut">
               <a:rPr lang="ko-KR" altLang="en-US" smtClean="0"/>
-              <a:t>2019-12-27</a:t>
+              <a:t>2019-12-28</a:t>
             </a:fld>
             <a:endParaRPr lang="ko-KR" altLang="en-US"/>
           </a:p>
@@ -2098,7 +2099,7 @@
           <a:p>
             <a:fld id="{A51BB5A2-924E-4554-8645-CFA0F8AD5280}" type="datetimeFigureOut">
               <a:rPr lang="ko-KR" altLang="en-US" smtClean="0"/>
-              <a:t>2019-12-27</a:t>
+              <a:t>2019-12-28</a:t>
             </a:fld>
             <a:endParaRPr lang="ko-KR" altLang="en-US"/>
           </a:p>
@@ -2351,7 +2352,7 @@
           <a:p>
             <a:fld id="{A51BB5A2-924E-4554-8645-CFA0F8AD5280}" type="datetimeFigureOut">
               <a:rPr lang="ko-KR" altLang="en-US" smtClean="0"/>
-              <a:t>2019-12-27</a:t>
+              <a:t>2019-12-28</a:t>
             </a:fld>
             <a:endParaRPr lang="ko-KR" altLang="en-US"/>
           </a:p>
@@ -2564,7 +2565,7 @@
           <a:p>
             <a:fld id="{A51BB5A2-924E-4554-8645-CFA0F8AD5280}" type="datetimeFigureOut">
               <a:rPr lang="ko-KR" altLang="en-US" smtClean="0"/>
-              <a:t>2019-12-27</a:t>
+              <a:t>2019-12-28</a:t>
             </a:fld>
             <a:endParaRPr lang="ko-KR" altLang="en-US"/>
           </a:p>
@@ -3401,7 +3402,7 @@
         </p:nvSpPr>
         <p:spPr>
           <a:xfrm>
-            <a:off x="8071018" y="739341"/>
+            <a:off x="7684523" y="739340"/>
             <a:ext cx="1087396" cy="432487"/>
           </a:xfrm>
           <a:prstGeom prst="ellipse">
@@ -3527,7 +3528,7 @@
         </p:nvSpPr>
         <p:spPr>
           <a:xfrm>
-            <a:off x="8614716" y="1370557"/>
+            <a:off x="9158414" y="770234"/>
             <a:ext cx="1485901" cy="432487"/>
           </a:xfrm>
           <a:prstGeom prst="ellipse">
@@ -3696,7 +3697,7 @@
         <p:spPr>
           <a:xfrm>
             <a:off x="1622853" y="5737657"/>
-            <a:ext cx="1256271" cy="432487"/>
+            <a:ext cx="828247" cy="432487"/>
           </a:xfrm>
           <a:prstGeom prst="ellipse">
             <a:avLst/>
@@ -3722,8 +3723,8 @@
           <a:p>
             <a:pPr algn="ctr"/>
             <a:r>
-              <a:rPr lang="en-US" altLang="ko-KR" dirty="0" smtClean="0"/>
-              <a:t>phone</a:t>
+              <a:rPr lang="en-US" altLang="ko-KR" dirty="0" err="1" smtClean="0"/>
+              <a:t>tel</a:t>
             </a:r>
             <a:endParaRPr lang="ko-KR" altLang="en-US" dirty="0"/>
           </a:p>
@@ -3863,8 +3864,8 @@
         </p:nvSpPr>
         <p:spPr>
           <a:xfrm>
-            <a:off x="8509685" y="5521413"/>
-            <a:ext cx="1423084" cy="432487"/>
+            <a:off x="8824263" y="5579984"/>
+            <a:ext cx="1091515" cy="432487"/>
           </a:xfrm>
           <a:prstGeom prst="ellipse">
             <a:avLst/>
@@ -3891,7 +3892,7 @@
             <a:pPr algn="ctr"/>
             <a:r>
               <a:rPr lang="en-US" altLang="ko-KR" dirty="0" smtClean="0"/>
-              <a:t>location</a:t>
+              <a:t>room</a:t>
             </a:r>
             <a:endParaRPr lang="ko-KR" altLang="en-US" dirty="0"/>
           </a:p>
@@ -3906,7 +3907,7 @@
         <p:spPr>
           <a:xfrm>
             <a:off x="10069721" y="5579984"/>
-            <a:ext cx="1423084" cy="432487"/>
+            <a:ext cx="1076074" cy="432487"/>
           </a:xfrm>
           <a:prstGeom prst="ellipse">
             <a:avLst/>
@@ -3933,7 +3934,7 @@
             <a:pPr algn="ctr"/>
             <a:r>
               <a:rPr lang="en-US" altLang="ko-KR" dirty="0" smtClean="0"/>
-              <a:t>location</a:t>
+              <a:t>time</a:t>
             </a:r>
             <a:endParaRPr lang="ko-KR" altLang="en-US" dirty="0"/>
           </a:p>
@@ -3983,14 +3984,14 @@
       </p:sp>
       <p:sp>
         <p:nvSpPr>
-          <p:cNvPr id="28" name="타원 27"/>
+          <p:cNvPr id="29" name="타원 28"/>
           <p:cNvSpPr/>
           <p:nvPr/>
         </p:nvSpPr>
         <p:spPr>
           <a:xfrm>
-            <a:off x="7025848" y="5737657"/>
-            <a:ext cx="1423084" cy="432487"/>
+            <a:off x="7425720" y="5487423"/>
+            <a:ext cx="1122749" cy="432487"/>
           </a:xfrm>
           <a:prstGeom prst="ellipse">
             <a:avLst/>
@@ -4017,7 +4018,7 @@
             <a:pPr algn="ctr"/>
             <a:r>
               <a:rPr lang="en-US" altLang="ko-KR" dirty="0" smtClean="0"/>
-              <a:t>location</a:t>
+              <a:t>credit</a:t>
             </a:r>
             <a:endParaRPr lang="ko-KR" altLang="en-US" dirty="0"/>
           </a:p>
@@ -4025,16 +4026,16 @@
       </p:sp>
       <p:sp>
         <p:nvSpPr>
-          <p:cNvPr id="29" name="타원 28"/>
+          <p:cNvPr id="2" name="다이아몬드 1"/>
           <p:cNvSpPr/>
           <p:nvPr/>
         </p:nvSpPr>
         <p:spPr>
           <a:xfrm>
-            <a:off x="6471851" y="5132178"/>
-            <a:ext cx="1423084" cy="432487"/>
-          </a:xfrm>
-          <a:prstGeom prst="ellipse">
+            <a:off x="1793792" y="3185796"/>
+            <a:ext cx="1905000" cy="782280"/>
+          </a:xfrm>
+          <a:prstGeom prst="diamond">
             <a:avLst/>
           </a:prstGeom>
         </p:spPr>
@@ -4059,7 +4060,1348 @@
             <a:pPr algn="ctr"/>
             <a:r>
               <a:rPr lang="en-US" altLang="ko-KR" dirty="0" smtClean="0"/>
-              <a:t>location</a:t>
+              <a:t>Belong</a:t>
+            </a:r>
+          </a:p>
+          <a:p>
+            <a:pPr algn="ctr"/>
+            <a:r>
+              <a:rPr lang="en-US" altLang="ko-KR" dirty="0" smtClean="0"/>
+              <a:t>N:1</a:t>
+            </a:r>
+            <a:endParaRPr lang="ko-KR" altLang="en-US" dirty="0"/>
+          </a:p>
+        </p:txBody>
+      </p:sp>
+      <p:sp>
+        <p:nvSpPr>
+          <p:cNvPr id="30" name="다이아몬드 29"/>
+          <p:cNvSpPr/>
+          <p:nvPr/>
+        </p:nvSpPr>
+        <p:spPr>
+          <a:xfrm>
+            <a:off x="5207000" y="2739738"/>
+            <a:ext cx="1841500" cy="849884"/>
+          </a:xfrm>
+          <a:prstGeom prst="diamond">
+            <a:avLst/>
+          </a:prstGeom>
+        </p:spPr>
+        <p:style>
+          <a:lnRef idx="2">
+            <a:schemeClr val="dk1"/>
+          </a:lnRef>
+          <a:fillRef idx="1">
+            <a:schemeClr val="lt1"/>
+          </a:fillRef>
+          <a:effectRef idx="0">
+            <a:schemeClr val="dk1"/>
+          </a:effectRef>
+          <a:fontRef idx="minor">
+            <a:schemeClr val="dk1"/>
+          </a:fontRef>
+        </p:style>
+        <p:txBody>
+          <a:bodyPr rtlCol="0" anchor="ctr"/>
+          <a:lstStyle/>
+          <a:p>
+            <a:pPr algn="ctr"/>
+            <a:r>
+              <a:rPr lang="en-US" altLang="ko-KR" dirty="0" smtClean="0"/>
+              <a:t>Charge</a:t>
+            </a:r>
+          </a:p>
+          <a:p>
+            <a:pPr algn="ctr"/>
+            <a:r>
+              <a:rPr lang="en-US" altLang="ko-KR" dirty="0" smtClean="0"/>
+              <a:t>1:1</a:t>
+            </a:r>
+            <a:endParaRPr lang="ko-KR" altLang="en-US" dirty="0"/>
+          </a:p>
+        </p:txBody>
+      </p:sp>
+      <p:sp>
+        <p:nvSpPr>
+          <p:cNvPr id="31" name="다이아몬드 30"/>
+          <p:cNvSpPr/>
+          <p:nvPr/>
+        </p:nvSpPr>
+        <p:spPr>
+          <a:xfrm>
+            <a:off x="5207000" y="3759183"/>
+            <a:ext cx="1841500" cy="849884"/>
+          </a:xfrm>
+          <a:prstGeom prst="diamond">
+            <a:avLst/>
+          </a:prstGeom>
+        </p:spPr>
+        <p:style>
+          <a:lnRef idx="2">
+            <a:schemeClr val="dk1"/>
+          </a:lnRef>
+          <a:fillRef idx="1">
+            <a:schemeClr val="lt1"/>
+          </a:fillRef>
+          <a:effectRef idx="0">
+            <a:schemeClr val="dk1"/>
+          </a:effectRef>
+          <a:fontRef idx="minor">
+            <a:schemeClr val="dk1"/>
+          </a:fontRef>
+        </p:style>
+        <p:txBody>
+          <a:bodyPr rtlCol="0" anchor="ctr"/>
+          <a:lstStyle/>
+          <a:p>
+            <a:pPr algn="ctr"/>
+            <a:r>
+              <a:rPr lang="en-US" altLang="ko-KR" dirty="0" smtClean="0"/>
+              <a:t>Attend</a:t>
+            </a:r>
+          </a:p>
+          <a:p>
+            <a:pPr algn="ctr"/>
+            <a:r>
+              <a:rPr lang="en-US" altLang="ko-KR" dirty="0" smtClean="0"/>
+              <a:t>N:M</a:t>
+            </a:r>
+            <a:endParaRPr lang="ko-KR" altLang="en-US" dirty="0"/>
+          </a:p>
+        </p:txBody>
+      </p:sp>
+      <p:sp>
+        <p:nvSpPr>
+          <p:cNvPr id="32" name="다이아몬드 31"/>
+          <p:cNvSpPr/>
+          <p:nvPr/>
+        </p:nvSpPr>
+        <p:spPr>
+          <a:xfrm>
+            <a:off x="8228221" y="3185796"/>
+            <a:ext cx="1841500" cy="849884"/>
+          </a:xfrm>
+          <a:prstGeom prst="diamond">
+            <a:avLst/>
+          </a:prstGeom>
+        </p:spPr>
+        <p:style>
+          <a:lnRef idx="2">
+            <a:schemeClr val="dk1"/>
+          </a:lnRef>
+          <a:fillRef idx="1">
+            <a:schemeClr val="lt1"/>
+          </a:fillRef>
+          <a:effectRef idx="0">
+            <a:schemeClr val="dk1"/>
+          </a:effectRef>
+          <a:fontRef idx="minor">
+            <a:schemeClr val="dk1"/>
+          </a:fontRef>
+        </p:style>
+        <p:txBody>
+          <a:bodyPr rtlCol="0" anchor="ctr"/>
+          <a:lstStyle/>
+          <a:p>
+            <a:pPr algn="ctr"/>
+            <a:r>
+              <a:rPr lang="en-US" altLang="ko-KR" dirty="0" smtClean="0"/>
+              <a:t>Charge</a:t>
+            </a:r>
+          </a:p>
+          <a:p>
+            <a:pPr algn="ctr"/>
+            <a:r>
+              <a:rPr lang="en-US" altLang="ko-KR" dirty="0"/>
+              <a:t>N</a:t>
+            </a:r>
+            <a:r>
+              <a:rPr lang="en-US" altLang="ko-KR" dirty="0" smtClean="0"/>
+              <a:t>:1</a:t>
+            </a:r>
+            <a:endParaRPr lang="ko-KR" altLang="en-US" dirty="0"/>
+          </a:p>
+        </p:txBody>
+      </p:sp>
+      <p:cxnSp>
+        <p:nvCxnSpPr>
+          <p:cNvPr id="33" name="직선 연결선 32"/>
+          <p:cNvCxnSpPr>
+            <a:stCxn id="10" idx="6"/>
+            <a:endCxn id="4" idx="1"/>
+          </p:cNvCxnSpPr>
+          <p:nvPr/>
+        </p:nvCxnSpPr>
+        <p:spPr>
+          <a:xfrm flipV="1">
+            <a:off x="2061521" y="2248930"/>
+            <a:ext cx="249192" cy="216243"/>
+          </a:xfrm>
+          <a:prstGeom prst="line">
+            <a:avLst/>
+          </a:prstGeom>
+        </p:spPr>
+        <p:style>
+          <a:lnRef idx="1">
+            <a:schemeClr val="accent1"/>
+          </a:lnRef>
+          <a:fillRef idx="0">
+            <a:schemeClr val="accent1"/>
+          </a:fillRef>
+          <a:effectRef idx="0">
+            <a:schemeClr val="accent1"/>
+          </a:effectRef>
+          <a:fontRef idx="minor">
+            <a:schemeClr val="tx1"/>
+          </a:fontRef>
+        </p:style>
+      </p:cxnSp>
+      <p:cxnSp>
+        <p:nvCxnSpPr>
+          <p:cNvPr id="35" name="직선 연결선 34"/>
+          <p:cNvCxnSpPr>
+            <a:stCxn id="7" idx="6"/>
+          </p:cNvCxnSpPr>
+          <p:nvPr/>
+        </p:nvCxnSpPr>
+        <p:spPr>
+          <a:xfrm>
+            <a:off x="1503407" y="1946189"/>
+            <a:ext cx="825500" cy="123911"/>
+          </a:xfrm>
+          <a:prstGeom prst="line">
+            <a:avLst/>
+          </a:prstGeom>
+        </p:spPr>
+        <p:style>
+          <a:lnRef idx="1">
+            <a:schemeClr val="accent1"/>
+          </a:lnRef>
+          <a:fillRef idx="0">
+            <a:schemeClr val="accent1"/>
+          </a:fillRef>
+          <a:effectRef idx="0">
+            <a:schemeClr val="accent1"/>
+          </a:effectRef>
+          <a:fontRef idx="minor">
+            <a:schemeClr val="tx1"/>
+          </a:fontRef>
+        </p:style>
+      </p:cxnSp>
+      <p:cxnSp>
+        <p:nvCxnSpPr>
+          <p:cNvPr id="37" name="직선 연결선 36"/>
+          <p:cNvCxnSpPr>
+            <a:stCxn id="5" idx="5"/>
+          </p:cNvCxnSpPr>
+          <p:nvPr/>
+        </p:nvCxnSpPr>
+        <p:spPr>
+          <a:xfrm>
+            <a:off x="1385783" y="1434910"/>
+            <a:ext cx="1065317" cy="511279"/>
+          </a:xfrm>
+          <a:prstGeom prst="line">
+            <a:avLst/>
+          </a:prstGeom>
+        </p:spPr>
+        <p:style>
+          <a:lnRef idx="1">
+            <a:schemeClr val="accent1"/>
+          </a:lnRef>
+          <a:fillRef idx="0">
+            <a:schemeClr val="accent1"/>
+          </a:fillRef>
+          <a:effectRef idx="0">
+            <a:schemeClr val="accent1"/>
+          </a:effectRef>
+          <a:fontRef idx="minor">
+            <a:schemeClr val="tx1"/>
+          </a:fontRef>
+        </p:style>
+      </p:cxnSp>
+      <p:cxnSp>
+        <p:nvCxnSpPr>
+          <p:cNvPr id="40" name="직선 연결선 39"/>
+          <p:cNvCxnSpPr>
+            <a:stCxn id="6" idx="5"/>
+          </p:cNvCxnSpPr>
+          <p:nvPr/>
+        </p:nvCxnSpPr>
+        <p:spPr>
+          <a:xfrm>
+            <a:off x="2476864" y="1711916"/>
+            <a:ext cx="159245" cy="234273"/>
+          </a:xfrm>
+          <a:prstGeom prst="line">
+            <a:avLst/>
+          </a:prstGeom>
+        </p:spPr>
+        <p:style>
+          <a:lnRef idx="1">
+            <a:schemeClr val="accent1"/>
+          </a:lnRef>
+          <a:fillRef idx="0">
+            <a:schemeClr val="accent1"/>
+          </a:fillRef>
+          <a:effectRef idx="0">
+            <a:schemeClr val="accent1"/>
+          </a:effectRef>
+          <a:fontRef idx="minor">
+            <a:schemeClr val="tx1"/>
+          </a:fontRef>
+        </p:style>
+      </p:cxnSp>
+      <p:cxnSp>
+        <p:nvCxnSpPr>
+          <p:cNvPr id="42" name="직선 연결선 41"/>
+          <p:cNvCxnSpPr>
+            <a:endCxn id="4" idx="0"/>
+          </p:cNvCxnSpPr>
+          <p:nvPr/>
+        </p:nvCxnSpPr>
+        <p:spPr>
+          <a:xfrm>
+            <a:off x="2451100" y="1047223"/>
+            <a:ext cx="428024" cy="898966"/>
+          </a:xfrm>
+          <a:prstGeom prst="line">
+            <a:avLst/>
+          </a:prstGeom>
+        </p:spPr>
+        <p:style>
+          <a:lnRef idx="1">
+            <a:schemeClr val="accent1"/>
+          </a:lnRef>
+          <a:fillRef idx="0">
+            <a:schemeClr val="accent1"/>
+          </a:fillRef>
+          <a:effectRef idx="0">
+            <a:schemeClr val="accent1"/>
+          </a:effectRef>
+          <a:fontRef idx="minor">
+            <a:schemeClr val="tx1"/>
+          </a:fontRef>
+        </p:style>
+      </p:cxnSp>
+      <p:cxnSp>
+        <p:nvCxnSpPr>
+          <p:cNvPr id="44" name="직선 연결선 43"/>
+          <p:cNvCxnSpPr>
+            <a:stCxn id="11" idx="4"/>
+          </p:cNvCxnSpPr>
+          <p:nvPr/>
+        </p:nvCxnSpPr>
+        <p:spPr>
+          <a:xfrm flipH="1">
+            <a:off x="3064476" y="1687717"/>
+            <a:ext cx="172997" cy="258472"/>
+          </a:xfrm>
+          <a:prstGeom prst="line">
+            <a:avLst/>
+          </a:prstGeom>
+        </p:spPr>
+        <p:style>
+          <a:lnRef idx="1">
+            <a:schemeClr val="accent1"/>
+          </a:lnRef>
+          <a:fillRef idx="0">
+            <a:schemeClr val="accent1"/>
+          </a:fillRef>
+          <a:effectRef idx="0">
+            <a:schemeClr val="accent1"/>
+          </a:effectRef>
+          <a:fontRef idx="minor">
+            <a:schemeClr val="tx1"/>
+          </a:fontRef>
+        </p:style>
+      </p:cxnSp>
+      <p:cxnSp>
+        <p:nvCxnSpPr>
+          <p:cNvPr id="46" name="직선 연결선 45"/>
+          <p:cNvCxnSpPr/>
+          <p:nvPr/>
+        </p:nvCxnSpPr>
+        <p:spPr>
+          <a:xfrm flipH="1">
+            <a:off x="3447535" y="1065759"/>
+            <a:ext cx="365552" cy="880430"/>
+          </a:xfrm>
+          <a:prstGeom prst="line">
+            <a:avLst/>
+          </a:prstGeom>
+        </p:spPr>
+        <p:style>
+          <a:lnRef idx="1">
+            <a:schemeClr val="accent1"/>
+          </a:lnRef>
+          <a:fillRef idx="0">
+            <a:schemeClr val="accent1"/>
+          </a:fillRef>
+          <a:effectRef idx="0">
+            <a:schemeClr val="accent1"/>
+          </a:effectRef>
+          <a:fontRef idx="minor">
+            <a:schemeClr val="tx1"/>
+          </a:fontRef>
+        </p:style>
+      </p:cxnSp>
+      <p:cxnSp>
+        <p:nvCxnSpPr>
+          <p:cNvPr id="48" name="직선 연결선 47"/>
+          <p:cNvCxnSpPr>
+            <a:stCxn id="20" idx="5"/>
+            <a:endCxn id="18" idx="1"/>
+          </p:cNvCxnSpPr>
+          <p:nvPr/>
+        </p:nvCxnSpPr>
+        <p:spPr>
+          <a:xfrm>
+            <a:off x="1678904" y="4761975"/>
+            <a:ext cx="631809" cy="234274"/>
+          </a:xfrm>
+          <a:prstGeom prst="line">
+            <a:avLst/>
+          </a:prstGeom>
+        </p:spPr>
+        <p:style>
+          <a:lnRef idx="1">
+            <a:schemeClr val="accent1"/>
+          </a:lnRef>
+          <a:fillRef idx="0">
+            <a:schemeClr val="accent1"/>
+          </a:fillRef>
+          <a:effectRef idx="0">
+            <a:schemeClr val="accent1"/>
+          </a:effectRef>
+          <a:fontRef idx="minor">
+            <a:schemeClr val="tx1"/>
+          </a:fontRef>
+        </p:style>
+      </p:cxnSp>
+      <p:cxnSp>
+        <p:nvCxnSpPr>
+          <p:cNvPr id="50" name="직선 연결선 49"/>
+          <p:cNvCxnSpPr>
+            <a:stCxn id="22" idx="6"/>
+          </p:cNvCxnSpPr>
+          <p:nvPr/>
+        </p:nvCxnSpPr>
+        <p:spPr>
+          <a:xfrm flipV="1">
+            <a:off x="2092412" y="5185830"/>
+            <a:ext cx="218301" cy="162589"/>
+          </a:xfrm>
+          <a:prstGeom prst="line">
+            <a:avLst/>
+          </a:prstGeom>
+        </p:spPr>
+        <p:style>
+          <a:lnRef idx="1">
+            <a:schemeClr val="accent1"/>
+          </a:lnRef>
+          <a:fillRef idx="0">
+            <a:schemeClr val="accent1"/>
+          </a:fillRef>
+          <a:effectRef idx="0">
+            <a:schemeClr val="accent1"/>
+          </a:effectRef>
+          <a:fontRef idx="minor">
+            <a:schemeClr val="tx1"/>
+          </a:fontRef>
+        </p:style>
+      </p:cxnSp>
+      <p:cxnSp>
+        <p:nvCxnSpPr>
+          <p:cNvPr id="52" name="직선 연결선 51"/>
+          <p:cNvCxnSpPr>
+            <a:endCxn id="21" idx="0"/>
+          </p:cNvCxnSpPr>
+          <p:nvPr/>
+        </p:nvCxnSpPr>
+        <p:spPr>
+          <a:xfrm flipH="1">
+            <a:off x="2036977" y="5267124"/>
+            <a:ext cx="439888" cy="470533"/>
+          </a:xfrm>
+          <a:prstGeom prst="line">
+            <a:avLst/>
+          </a:prstGeom>
+        </p:spPr>
+        <p:style>
+          <a:lnRef idx="1">
+            <a:schemeClr val="accent1"/>
+          </a:lnRef>
+          <a:fillRef idx="0">
+            <a:schemeClr val="accent1"/>
+          </a:fillRef>
+          <a:effectRef idx="0">
+            <a:schemeClr val="accent1"/>
+          </a:effectRef>
+          <a:fontRef idx="minor">
+            <a:schemeClr val="tx1"/>
+          </a:fontRef>
+        </p:style>
+      </p:cxnSp>
+      <p:cxnSp>
+        <p:nvCxnSpPr>
+          <p:cNvPr id="58" name="직선 연결선 57"/>
+          <p:cNvCxnSpPr>
+            <a:endCxn id="19" idx="1"/>
+          </p:cNvCxnSpPr>
+          <p:nvPr/>
+        </p:nvCxnSpPr>
+        <p:spPr>
+          <a:xfrm>
+            <a:off x="3064476" y="5298989"/>
+            <a:ext cx="245475" cy="251771"/>
+          </a:xfrm>
+          <a:prstGeom prst="line">
+            <a:avLst/>
+          </a:prstGeom>
+        </p:spPr>
+        <p:style>
+          <a:lnRef idx="1">
+            <a:schemeClr val="accent1"/>
+          </a:lnRef>
+          <a:fillRef idx="0">
+            <a:schemeClr val="accent1"/>
+          </a:fillRef>
+          <a:effectRef idx="0">
+            <a:schemeClr val="accent1"/>
+          </a:effectRef>
+          <a:fontRef idx="minor">
+            <a:schemeClr val="tx1"/>
+          </a:fontRef>
+        </p:style>
+      </p:cxnSp>
+      <p:cxnSp>
+        <p:nvCxnSpPr>
+          <p:cNvPr id="60" name="직선 연결선 59"/>
+          <p:cNvCxnSpPr>
+            <a:stCxn id="15" idx="5"/>
+          </p:cNvCxnSpPr>
+          <p:nvPr/>
+        </p:nvCxnSpPr>
+        <p:spPr>
+          <a:xfrm>
+            <a:off x="8289687" y="1643931"/>
+            <a:ext cx="277664" cy="426169"/>
+          </a:xfrm>
+          <a:prstGeom prst="line">
+            <a:avLst/>
+          </a:prstGeom>
+        </p:spPr>
+        <p:style>
+          <a:lnRef idx="1">
+            <a:schemeClr val="accent1"/>
+          </a:lnRef>
+          <a:fillRef idx="0">
+            <a:schemeClr val="accent1"/>
+          </a:fillRef>
+          <a:effectRef idx="0">
+            <a:schemeClr val="accent1"/>
+          </a:effectRef>
+          <a:fontRef idx="minor">
+            <a:schemeClr val="tx1"/>
+          </a:fontRef>
+        </p:style>
+      </p:cxnSp>
+      <p:cxnSp>
+        <p:nvCxnSpPr>
+          <p:cNvPr id="62" name="직선 연결선 61"/>
+          <p:cNvCxnSpPr>
+            <a:stCxn id="14" idx="4"/>
+          </p:cNvCxnSpPr>
+          <p:nvPr/>
+        </p:nvCxnSpPr>
+        <p:spPr>
+          <a:xfrm>
+            <a:off x="8228221" y="1171827"/>
+            <a:ext cx="737979" cy="799053"/>
+          </a:xfrm>
+          <a:prstGeom prst="line">
+            <a:avLst/>
+          </a:prstGeom>
+        </p:spPr>
+        <p:style>
+          <a:lnRef idx="1">
+            <a:schemeClr val="accent1"/>
+          </a:lnRef>
+          <a:fillRef idx="0">
+            <a:schemeClr val="accent1"/>
+          </a:fillRef>
+          <a:effectRef idx="0">
+            <a:schemeClr val="accent1"/>
+          </a:effectRef>
+          <a:fontRef idx="minor">
+            <a:schemeClr val="tx1"/>
+          </a:fontRef>
+        </p:style>
+      </p:cxnSp>
+      <p:cxnSp>
+        <p:nvCxnSpPr>
+          <p:cNvPr id="65" name="직선 연결선 64"/>
+          <p:cNvCxnSpPr>
+            <a:endCxn id="12" idx="0"/>
+          </p:cNvCxnSpPr>
+          <p:nvPr/>
+        </p:nvCxnSpPr>
+        <p:spPr>
+          <a:xfrm flipH="1">
+            <a:off x="9135762" y="1202721"/>
+            <a:ext cx="351138" cy="743468"/>
+          </a:xfrm>
+          <a:prstGeom prst="line">
+            <a:avLst/>
+          </a:prstGeom>
+        </p:spPr>
+        <p:style>
+          <a:lnRef idx="1">
+            <a:schemeClr val="accent1"/>
+          </a:lnRef>
+          <a:fillRef idx="0">
+            <a:schemeClr val="accent1"/>
+          </a:fillRef>
+          <a:effectRef idx="0">
+            <a:schemeClr val="accent1"/>
+          </a:effectRef>
+          <a:fontRef idx="minor">
+            <a:schemeClr val="tx1"/>
+          </a:fontRef>
+        </p:style>
+      </p:cxnSp>
+      <p:cxnSp>
+        <p:nvCxnSpPr>
+          <p:cNvPr id="67" name="직선 연결선 66"/>
+          <p:cNvCxnSpPr>
+            <a:stCxn id="13" idx="3"/>
+          </p:cNvCxnSpPr>
+          <p:nvPr/>
+        </p:nvCxnSpPr>
+        <p:spPr>
+          <a:xfrm flipH="1">
+            <a:off x="9370020" y="1571872"/>
+            <a:ext cx="915219" cy="374316"/>
+          </a:xfrm>
+          <a:prstGeom prst="line">
+            <a:avLst/>
+          </a:prstGeom>
+        </p:spPr>
+        <p:style>
+          <a:lnRef idx="1">
+            <a:schemeClr val="accent1"/>
+          </a:lnRef>
+          <a:fillRef idx="0">
+            <a:schemeClr val="accent1"/>
+          </a:fillRef>
+          <a:effectRef idx="0">
+            <a:schemeClr val="accent1"/>
+          </a:effectRef>
+          <a:fontRef idx="minor">
+            <a:schemeClr val="tx1"/>
+          </a:fontRef>
+        </p:style>
+      </p:cxnSp>
+      <p:cxnSp>
+        <p:nvCxnSpPr>
+          <p:cNvPr id="69" name="직선 연결선 68"/>
+          <p:cNvCxnSpPr>
+            <a:stCxn id="12" idx="3"/>
+            <a:endCxn id="16" idx="2"/>
+          </p:cNvCxnSpPr>
+          <p:nvPr/>
+        </p:nvCxnSpPr>
+        <p:spPr>
+          <a:xfrm flipV="1">
+            <a:off x="9704173" y="2187124"/>
+            <a:ext cx="226539" cy="61806"/>
+          </a:xfrm>
+          <a:prstGeom prst="line">
+            <a:avLst/>
+          </a:prstGeom>
+        </p:spPr>
+        <p:style>
+          <a:lnRef idx="1">
+            <a:schemeClr val="accent1"/>
+          </a:lnRef>
+          <a:fillRef idx="0">
+            <a:schemeClr val="accent1"/>
+          </a:fillRef>
+          <a:effectRef idx="0">
+            <a:schemeClr val="accent1"/>
+          </a:effectRef>
+          <a:fontRef idx="minor">
+            <a:schemeClr val="tx1"/>
+          </a:fontRef>
+        </p:style>
+      </p:cxnSp>
+      <p:cxnSp>
+        <p:nvCxnSpPr>
+          <p:cNvPr id="71" name="직선 연결선 70"/>
+          <p:cNvCxnSpPr>
+            <a:stCxn id="29" idx="7"/>
+          </p:cNvCxnSpPr>
+          <p:nvPr/>
+        </p:nvCxnSpPr>
+        <p:spPr>
+          <a:xfrm flipV="1">
+            <a:off x="8384046" y="5298989"/>
+            <a:ext cx="387873" cy="251770"/>
+          </a:xfrm>
+          <a:prstGeom prst="line">
+            <a:avLst/>
+          </a:prstGeom>
+        </p:spPr>
+        <p:style>
+          <a:lnRef idx="1">
+            <a:schemeClr val="accent1"/>
+          </a:lnRef>
+          <a:fillRef idx="0">
+            <a:schemeClr val="accent1"/>
+          </a:fillRef>
+          <a:effectRef idx="0">
+            <a:schemeClr val="accent1"/>
+          </a:effectRef>
+          <a:fontRef idx="minor">
+            <a:schemeClr val="tx1"/>
+          </a:fontRef>
+        </p:style>
+      </p:cxnSp>
+      <p:cxnSp>
+        <p:nvCxnSpPr>
+          <p:cNvPr id="73" name="직선 연결선 72"/>
+          <p:cNvCxnSpPr>
+            <a:stCxn id="23" idx="2"/>
+          </p:cNvCxnSpPr>
+          <p:nvPr/>
+        </p:nvCxnSpPr>
+        <p:spPr>
+          <a:xfrm>
+            <a:off x="9135762" y="5298989"/>
+            <a:ext cx="22652" cy="280995"/>
+          </a:xfrm>
+          <a:prstGeom prst="line">
+            <a:avLst/>
+          </a:prstGeom>
+        </p:spPr>
+        <p:style>
+          <a:lnRef idx="1">
+            <a:schemeClr val="accent1"/>
+          </a:lnRef>
+          <a:fillRef idx="0">
+            <a:schemeClr val="accent1"/>
+          </a:fillRef>
+          <a:effectRef idx="0">
+            <a:schemeClr val="accent1"/>
+          </a:effectRef>
+          <a:fontRef idx="minor">
+            <a:schemeClr val="tx1"/>
+          </a:fontRef>
+        </p:style>
+      </p:cxnSp>
+      <p:cxnSp>
+        <p:nvCxnSpPr>
+          <p:cNvPr id="75" name="직선 연결선 74"/>
+          <p:cNvCxnSpPr>
+            <a:endCxn id="26" idx="1"/>
+          </p:cNvCxnSpPr>
+          <p:nvPr/>
+        </p:nvCxnSpPr>
+        <p:spPr>
+          <a:xfrm>
+            <a:off x="9704173" y="5298989"/>
+            <a:ext cx="523135" cy="344331"/>
+          </a:xfrm>
+          <a:prstGeom prst="line">
+            <a:avLst/>
+          </a:prstGeom>
+        </p:spPr>
+        <p:style>
+          <a:lnRef idx="1">
+            <a:schemeClr val="accent1"/>
+          </a:lnRef>
+          <a:fillRef idx="0">
+            <a:schemeClr val="accent1"/>
+          </a:fillRef>
+          <a:effectRef idx="0">
+            <a:schemeClr val="accent1"/>
+          </a:effectRef>
+          <a:fontRef idx="minor">
+            <a:schemeClr val="tx1"/>
+          </a:fontRef>
+        </p:style>
+      </p:cxnSp>
+      <p:cxnSp>
+        <p:nvCxnSpPr>
+          <p:cNvPr id="77" name="직선 연결선 76"/>
+          <p:cNvCxnSpPr>
+            <a:endCxn id="27" idx="2"/>
+          </p:cNvCxnSpPr>
+          <p:nvPr/>
+        </p:nvCxnSpPr>
+        <p:spPr>
+          <a:xfrm flipV="1">
+            <a:off x="9704173" y="4969587"/>
+            <a:ext cx="371731" cy="162588"/>
+          </a:xfrm>
+          <a:prstGeom prst="line">
+            <a:avLst/>
+          </a:prstGeom>
+        </p:spPr>
+        <p:style>
+          <a:lnRef idx="1">
+            <a:schemeClr val="accent1"/>
+          </a:lnRef>
+          <a:fillRef idx="0">
+            <a:schemeClr val="accent1"/>
+          </a:fillRef>
+          <a:effectRef idx="0">
+            <a:schemeClr val="accent1"/>
+          </a:effectRef>
+          <a:fontRef idx="minor">
+            <a:schemeClr val="tx1"/>
+          </a:fontRef>
+        </p:style>
+      </p:cxnSp>
+      <p:cxnSp>
+        <p:nvCxnSpPr>
+          <p:cNvPr id="79" name="직선 연결선 78"/>
+          <p:cNvCxnSpPr>
+            <a:endCxn id="24" idx="3"/>
+          </p:cNvCxnSpPr>
+          <p:nvPr/>
+        </p:nvCxnSpPr>
+        <p:spPr>
+          <a:xfrm flipV="1">
+            <a:off x="9704173" y="4522171"/>
+            <a:ext cx="289569" cy="171337"/>
+          </a:xfrm>
+          <a:prstGeom prst="line">
+            <a:avLst/>
+          </a:prstGeom>
+        </p:spPr>
+        <p:style>
+          <a:lnRef idx="1">
+            <a:schemeClr val="accent1"/>
+          </a:lnRef>
+          <a:fillRef idx="0">
+            <a:schemeClr val="accent1"/>
+          </a:fillRef>
+          <a:effectRef idx="0">
+            <a:schemeClr val="accent1"/>
+          </a:effectRef>
+          <a:fontRef idx="minor">
+            <a:schemeClr val="tx1"/>
+          </a:fontRef>
+        </p:style>
+      </p:cxnSp>
+      <p:cxnSp>
+        <p:nvCxnSpPr>
+          <p:cNvPr id="81" name="꺾인 연결선 80"/>
+          <p:cNvCxnSpPr>
+            <a:stCxn id="2" idx="0"/>
+            <a:endCxn id="4" idx="2"/>
+          </p:cNvCxnSpPr>
+          <p:nvPr/>
+        </p:nvCxnSpPr>
+        <p:spPr>
+          <a:xfrm rot="5400000" flipH="1" flipV="1">
+            <a:off x="2495645" y="2802317"/>
+            <a:ext cx="634126" cy="132832"/>
+          </a:xfrm>
+          <a:prstGeom prst="bentConnector3">
+            <a:avLst/>
+          </a:prstGeom>
+        </p:spPr>
+        <p:style>
+          <a:lnRef idx="1">
+            <a:schemeClr val="accent1"/>
+          </a:lnRef>
+          <a:fillRef idx="0">
+            <a:schemeClr val="accent1"/>
+          </a:fillRef>
+          <a:effectRef idx="0">
+            <a:schemeClr val="accent1"/>
+          </a:effectRef>
+          <a:fontRef idx="minor">
+            <a:schemeClr val="tx1"/>
+          </a:fontRef>
+        </p:style>
+      </p:cxnSp>
+      <p:cxnSp>
+        <p:nvCxnSpPr>
+          <p:cNvPr id="83" name="꺾인 연결선 82"/>
+          <p:cNvCxnSpPr>
+            <a:stCxn id="2" idx="2"/>
+            <a:endCxn id="18" idx="0"/>
+          </p:cNvCxnSpPr>
+          <p:nvPr/>
+        </p:nvCxnSpPr>
+        <p:spPr>
+          <a:xfrm rot="16200000" flipH="1">
+            <a:off x="2449992" y="4264376"/>
+            <a:ext cx="725432" cy="132832"/>
+          </a:xfrm>
+          <a:prstGeom prst="bentConnector3">
+            <a:avLst/>
+          </a:prstGeom>
+        </p:spPr>
+        <p:style>
+          <a:lnRef idx="1">
+            <a:schemeClr val="accent1"/>
+          </a:lnRef>
+          <a:fillRef idx="0">
+            <a:schemeClr val="accent1"/>
+          </a:fillRef>
+          <a:effectRef idx="0">
+            <a:schemeClr val="accent1"/>
+          </a:effectRef>
+          <a:fontRef idx="minor">
+            <a:schemeClr val="tx1"/>
+          </a:fontRef>
+        </p:style>
+      </p:cxnSp>
+      <p:sp>
+        <p:nvSpPr>
+          <p:cNvPr id="84" name="TextBox 83"/>
+          <p:cNvSpPr txBox="1"/>
+          <p:nvPr/>
+        </p:nvSpPr>
+        <p:spPr>
+          <a:xfrm>
+            <a:off x="2186117" y="2774902"/>
+            <a:ext cx="560175" cy="369332"/>
+          </a:xfrm>
+          <a:prstGeom prst="rect">
+            <a:avLst/>
+          </a:prstGeom>
+          <a:noFill/>
+        </p:spPr>
+        <p:txBody>
+          <a:bodyPr wrap="square" rtlCol="0">
+            <a:spAutoFit/>
+          </a:bodyPr>
+          <a:lstStyle/>
+          <a:p>
+            <a:r>
+              <a:rPr lang="en-US" altLang="ko-KR" dirty="0" smtClean="0"/>
+              <a:t>0:N</a:t>
+            </a:r>
+            <a:endParaRPr lang="ko-KR" altLang="en-US" dirty="0"/>
+          </a:p>
+        </p:txBody>
+      </p:sp>
+      <p:sp>
+        <p:nvSpPr>
+          <p:cNvPr id="85" name="TextBox 84"/>
+          <p:cNvSpPr txBox="1"/>
+          <p:nvPr/>
+        </p:nvSpPr>
+        <p:spPr>
+          <a:xfrm>
+            <a:off x="2252533" y="4035680"/>
+            <a:ext cx="560175" cy="369332"/>
+          </a:xfrm>
+          <a:prstGeom prst="rect">
+            <a:avLst/>
+          </a:prstGeom>
+          <a:noFill/>
+        </p:spPr>
+        <p:txBody>
+          <a:bodyPr wrap="square" rtlCol="0">
+            <a:spAutoFit/>
+          </a:bodyPr>
+          <a:lstStyle/>
+          <a:p>
+            <a:r>
+              <a:rPr lang="en-US" altLang="ko-KR" dirty="0" smtClean="0"/>
+              <a:t>1:1</a:t>
+            </a:r>
+            <a:endParaRPr lang="ko-KR" altLang="en-US" dirty="0"/>
+          </a:p>
+        </p:txBody>
+      </p:sp>
+      <p:cxnSp>
+        <p:nvCxnSpPr>
+          <p:cNvPr id="87" name="꺾인 연결선 86"/>
+          <p:cNvCxnSpPr>
+            <a:stCxn id="12" idx="2"/>
+            <a:endCxn id="32" idx="0"/>
+          </p:cNvCxnSpPr>
+          <p:nvPr/>
+        </p:nvCxnSpPr>
+        <p:spPr>
+          <a:xfrm rot="16200000" flipH="1">
+            <a:off x="8825303" y="2862128"/>
+            <a:ext cx="634126" cy="13209"/>
+          </a:xfrm>
+          <a:prstGeom prst="bentConnector3">
+            <a:avLst/>
+          </a:prstGeom>
+        </p:spPr>
+        <p:style>
+          <a:lnRef idx="1">
+            <a:schemeClr val="accent1"/>
+          </a:lnRef>
+          <a:fillRef idx="0">
+            <a:schemeClr val="accent1"/>
+          </a:fillRef>
+          <a:effectRef idx="0">
+            <a:schemeClr val="accent1"/>
+          </a:effectRef>
+          <a:fontRef idx="minor">
+            <a:schemeClr val="tx1"/>
+          </a:fontRef>
+        </p:style>
+      </p:cxnSp>
+      <p:cxnSp>
+        <p:nvCxnSpPr>
+          <p:cNvPr id="89" name="꺾인 연결선 88"/>
+          <p:cNvCxnSpPr>
+            <a:stCxn id="32" idx="2"/>
+            <a:endCxn id="23" idx="0"/>
+          </p:cNvCxnSpPr>
+          <p:nvPr/>
+        </p:nvCxnSpPr>
+        <p:spPr>
+          <a:xfrm rot="5400000">
+            <a:off x="8813453" y="4357990"/>
+            <a:ext cx="657828" cy="13209"/>
+          </a:xfrm>
+          <a:prstGeom prst="bentConnector3">
+            <a:avLst/>
+          </a:prstGeom>
+        </p:spPr>
+        <p:style>
+          <a:lnRef idx="1">
+            <a:schemeClr val="accent1"/>
+          </a:lnRef>
+          <a:fillRef idx="0">
+            <a:schemeClr val="accent1"/>
+          </a:fillRef>
+          <a:effectRef idx="0">
+            <a:schemeClr val="accent1"/>
+          </a:effectRef>
+          <a:fontRef idx="minor">
+            <a:schemeClr val="tx1"/>
+          </a:fontRef>
+        </p:style>
+      </p:cxnSp>
+      <p:sp>
+        <p:nvSpPr>
+          <p:cNvPr id="90" name="TextBox 89"/>
+          <p:cNvSpPr txBox="1"/>
+          <p:nvPr/>
+        </p:nvSpPr>
+        <p:spPr>
+          <a:xfrm>
+            <a:off x="9173952" y="2819280"/>
+            <a:ext cx="643490" cy="369332"/>
+          </a:xfrm>
+          <a:prstGeom prst="rect">
+            <a:avLst/>
+          </a:prstGeom>
+          <a:noFill/>
+        </p:spPr>
+        <p:txBody>
+          <a:bodyPr wrap="square" rtlCol="0">
+            <a:spAutoFit/>
+          </a:bodyPr>
+          <a:lstStyle/>
+          <a:p>
+            <a:r>
+              <a:rPr lang="en-US" altLang="ko-KR" dirty="0" smtClean="0"/>
+              <a:t>0:N</a:t>
+            </a:r>
+            <a:endParaRPr lang="ko-KR" altLang="en-US" dirty="0"/>
+          </a:p>
+        </p:txBody>
+      </p:sp>
+      <p:sp>
+        <p:nvSpPr>
+          <p:cNvPr id="91" name="TextBox 90"/>
+          <p:cNvSpPr txBox="1"/>
+          <p:nvPr/>
+        </p:nvSpPr>
+        <p:spPr>
+          <a:xfrm>
+            <a:off x="9135762" y="4152839"/>
+            <a:ext cx="490417" cy="369332"/>
+          </a:xfrm>
+          <a:prstGeom prst="rect">
+            <a:avLst/>
+          </a:prstGeom>
+          <a:noFill/>
+        </p:spPr>
+        <p:txBody>
+          <a:bodyPr wrap="square" rtlCol="0">
+            <a:spAutoFit/>
+          </a:bodyPr>
+          <a:lstStyle/>
+          <a:p>
+            <a:r>
+              <a:rPr lang="en-US" altLang="ko-KR" dirty="0"/>
+              <a:t>1</a:t>
+            </a:r>
+            <a:r>
+              <a:rPr lang="en-US" altLang="ko-KR" dirty="0" smtClean="0"/>
+              <a:t>:1</a:t>
+            </a:r>
+            <a:endParaRPr lang="ko-KR" altLang="en-US" dirty="0"/>
+          </a:p>
+        </p:txBody>
+      </p:sp>
+      <p:cxnSp>
+        <p:nvCxnSpPr>
+          <p:cNvPr id="93" name="꺾인 연결선 92"/>
+          <p:cNvCxnSpPr>
+            <a:stCxn id="18" idx="3"/>
+            <a:endCxn id="30" idx="1"/>
+          </p:cNvCxnSpPr>
+          <p:nvPr/>
+        </p:nvCxnSpPr>
+        <p:spPr>
+          <a:xfrm flipV="1">
+            <a:off x="3447535" y="3164680"/>
+            <a:ext cx="1759465" cy="1831569"/>
+          </a:xfrm>
+          <a:prstGeom prst="bentConnector3">
+            <a:avLst/>
+          </a:prstGeom>
+        </p:spPr>
+        <p:style>
+          <a:lnRef idx="1">
+            <a:schemeClr val="accent1"/>
+          </a:lnRef>
+          <a:fillRef idx="0">
+            <a:schemeClr val="accent1"/>
+          </a:fillRef>
+          <a:effectRef idx="0">
+            <a:schemeClr val="accent1"/>
+          </a:effectRef>
+          <a:fontRef idx="minor">
+            <a:schemeClr val="tx1"/>
+          </a:fontRef>
+        </p:style>
+      </p:cxnSp>
+      <p:cxnSp>
+        <p:nvCxnSpPr>
+          <p:cNvPr id="95" name="꺾인 연결선 94"/>
+          <p:cNvCxnSpPr>
+            <a:stCxn id="30" idx="3"/>
+            <a:endCxn id="12" idx="1"/>
+          </p:cNvCxnSpPr>
+          <p:nvPr/>
+        </p:nvCxnSpPr>
+        <p:spPr>
+          <a:xfrm flipV="1">
+            <a:off x="7048500" y="2248930"/>
+            <a:ext cx="1518851" cy="915750"/>
+          </a:xfrm>
+          <a:prstGeom prst="bentConnector3">
+            <a:avLst/>
+          </a:prstGeom>
+        </p:spPr>
+        <p:style>
+          <a:lnRef idx="1">
+            <a:schemeClr val="accent1"/>
+          </a:lnRef>
+          <a:fillRef idx="0">
+            <a:schemeClr val="accent1"/>
+          </a:fillRef>
+          <a:effectRef idx="0">
+            <a:schemeClr val="accent1"/>
+          </a:effectRef>
+          <a:fontRef idx="minor">
+            <a:schemeClr val="tx1"/>
+          </a:fontRef>
+        </p:style>
+      </p:cxnSp>
+      <p:cxnSp>
+        <p:nvCxnSpPr>
+          <p:cNvPr id="99" name="꺾인 연결선 98"/>
+          <p:cNvCxnSpPr>
+            <a:stCxn id="4" idx="3"/>
+            <a:endCxn id="31" idx="1"/>
+          </p:cNvCxnSpPr>
+          <p:nvPr/>
+        </p:nvCxnSpPr>
+        <p:spPr>
+          <a:xfrm>
+            <a:off x="3447535" y="2248930"/>
+            <a:ext cx="1759465" cy="1935195"/>
+          </a:xfrm>
+          <a:prstGeom prst="bentConnector3">
+            <a:avLst>
+              <a:gd name="adj1" fmla="val 38451"/>
+            </a:avLst>
+          </a:prstGeom>
+        </p:spPr>
+        <p:style>
+          <a:lnRef idx="1">
+            <a:schemeClr val="accent1"/>
+          </a:lnRef>
+          <a:fillRef idx="0">
+            <a:schemeClr val="accent1"/>
+          </a:fillRef>
+          <a:effectRef idx="0">
+            <a:schemeClr val="accent1"/>
+          </a:effectRef>
+          <a:fontRef idx="minor">
+            <a:schemeClr val="tx1"/>
+          </a:fontRef>
+        </p:style>
+      </p:cxnSp>
+      <p:cxnSp>
+        <p:nvCxnSpPr>
+          <p:cNvPr id="102" name="꺾인 연결선 101"/>
+          <p:cNvCxnSpPr>
+            <a:stCxn id="31" idx="3"/>
+            <a:endCxn id="23" idx="1"/>
+          </p:cNvCxnSpPr>
+          <p:nvPr/>
+        </p:nvCxnSpPr>
+        <p:spPr>
+          <a:xfrm>
+            <a:off x="7048500" y="4184125"/>
+            <a:ext cx="1518851" cy="812124"/>
+          </a:xfrm>
+          <a:prstGeom prst="bentConnector3">
+            <a:avLst/>
+          </a:prstGeom>
+        </p:spPr>
+        <p:style>
+          <a:lnRef idx="1">
+            <a:schemeClr val="accent1"/>
+          </a:lnRef>
+          <a:fillRef idx="0">
+            <a:schemeClr val="accent1"/>
+          </a:fillRef>
+          <a:effectRef idx="0">
+            <a:schemeClr val="accent1"/>
+          </a:effectRef>
+          <a:fontRef idx="minor">
+            <a:schemeClr val="tx1"/>
+          </a:fontRef>
+        </p:style>
+      </p:cxnSp>
+      <p:sp>
+        <p:nvSpPr>
+          <p:cNvPr id="103" name="TextBox 102"/>
+          <p:cNvSpPr txBox="1"/>
+          <p:nvPr/>
+        </p:nvSpPr>
+        <p:spPr>
+          <a:xfrm>
+            <a:off x="4114456" y="2357051"/>
+            <a:ext cx="560175" cy="369332"/>
+          </a:xfrm>
+          <a:prstGeom prst="rect">
+            <a:avLst/>
+          </a:prstGeom>
+          <a:noFill/>
+        </p:spPr>
+        <p:txBody>
+          <a:bodyPr wrap="square" rtlCol="0">
+            <a:spAutoFit/>
+          </a:bodyPr>
+          <a:lstStyle/>
+          <a:p>
+            <a:r>
+              <a:rPr lang="en-US" altLang="ko-KR" dirty="0" smtClean="0"/>
+              <a:t>0:N</a:t>
+            </a:r>
+            <a:endParaRPr lang="ko-KR" altLang="en-US" dirty="0"/>
+          </a:p>
+        </p:txBody>
+      </p:sp>
+      <p:sp>
+        <p:nvSpPr>
+          <p:cNvPr id="104" name="TextBox 103"/>
+          <p:cNvSpPr txBox="1"/>
+          <p:nvPr/>
+        </p:nvSpPr>
+        <p:spPr>
+          <a:xfrm>
+            <a:off x="7208180" y="4609067"/>
+            <a:ext cx="599746" cy="369332"/>
+          </a:xfrm>
+          <a:prstGeom prst="rect">
+            <a:avLst/>
+          </a:prstGeom>
+          <a:noFill/>
+        </p:spPr>
+        <p:txBody>
+          <a:bodyPr wrap="square" rtlCol="0">
+            <a:spAutoFit/>
+          </a:bodyPr>
+          <a:lstStyle/>
+          <a:p>
+            <a:r>
+              <a:rPr lang="en-US" altLang="ko-KR" dirty="0" smtClean="0"/>
+              <a:t>N:1</a:t>
+            </a:r>
+            <a:endParaRPr lang="ko-KR" altLang="en-US" dirty="0"/>
+          </a:p>
+        </p:txBody>
+      </p:sp>
+      <p:sp>
+        <p:nvSpPr>
+          <p:cNvPr id="105" name="TextBox 104"/>
+          <p:cNvSpPr txBox="1"/>
+          <p:nvPr/>
+        </p:nvSpPr>
+        <p:spPr>
+          <a:xfrm>
+            <a:off x="7170080" y="2429818"/>
+            <a:ext cx="560175" cy="369332"/>
+          </a:xfrm>
+          <a:prstGeom prst="rect">
+            <a:avLst/>
+          </a:prstGeom>
+          <a:noFill/>
+        </p:spPr>
+        <p:txBody>
+          <a:bodyPr wrap="square" rtlCol="0">
+            <a:spAutoFit/>
+          </a:bodyPr>
+          <a:lstStyle/>
+          <a:p>
+            <a:r>
+              <a:rPr lang="en-US" altLang="ko-KR" dirty="0" smtClean="0"/>
+              <a:t>1:0</a:t>
+            </a:r>
+            <a:endParaRPr lang="ko-KR" altLang="en-US" dirty="0"/>
+          </a:p>
+        </p:txBody>
+      </p:sp>
+      <p:sp>
+        <p:nvSpPr>
+          <p:cNvPr id="106" name="TextBox 105"/>
+          <p:cNvSpPr txBox="1"/>
+          <p:nvPr/>
+        </p:nvSpPr>
+        <p:spPr>
+          <a:xfrm>
+            <a:off x="4394543" y="4522171"/>
+            <a:ext cx="560175" cy="369332"/>
+          </a:xfrm>
+          <a:prstGeom prst="rect">
+            <a:avLst/>
+          </a:prstGeom>
+          <a:noFill/>
+        </p:spPr>
+        <p:txBody>
+          <a:bodyPr wrap="square" rtlCol="0">
+            <a:spAutoFit/>
+          </a:bodyPr>
+          <a:lstStyle/>
+          <a:p>
+            <a:r>
+              <a:rPr lang="en-US" altLang="ko-KR" dirty="0" smtClean="0"/>
+              <a:t>1:1</a:t>
             </a:r>
             <a:endParaRPr lang="ko-KR" altLang="en-US" dirty="0"/>
           </a:p>
@@ -4069,6 +5411,220 @@
     <p:extLst>
       <p:ext uri="{BB962C8B-B14F-4D97-AF65-F5344CB8AC3E}">
         <p14:creationId xmlns:p14="http://schemas.microsoft.com/office/powerpoint/2010/main" val="4020504298"/>
+      </p:ext>
+    </p:extLst>
+  </p:cSld>
+  <p:clrMapOvr>
+    <a:masterClrMapping/>
+  </p:clrMapOvr>
+</p:sld>
+</file>
+
+<file path=ppt/slides/slide2.xml><?xml version="1.0" encoding="utf-8"?>
+<p:sld xmlns:a="http://schemas.openxmlformats.org/drawingml/2006/main" xmlns:r="http://schemas.openxmlformats.org/officeDocument/2006/relationships" xmlns:p="http://schemas.openxmlformats.org/presentationml/2006/main">
+  <p:cSld>
+    <p:spTree>
+      <p:nvGrpSpPr>
+        <p:cNvPr id="1" name=""/>
+        <p:cNvGrpSpPr/>
+        <p:nvPr/>
+      </p:nvGrpSpPr>
+      <p:grpSpPr>
+        <a:xfrm>
+          <a:off x="0" y="0"/>
+          <a:ext cx="0" cy="0"/>
+          <a:chOff x="0" y="0"/>
+          <a:chExt cx="0" cy="0"/>
+        </a:xfrm>
+      </p:grpSpPr>
+      <p:sp>
+        <p:nvSpPr>
+          <p:cNvPr id="9" name="TextBox 8"/>
+          <p:cNvSpPr txBox="1"/>
+          <p:nvPr/>
+        </p:nvSpPr>
+        <p:spPr>
+          <a:xfrm>
+            <a:off x="1282700" y="1066800"/>
+            <a:ext cx="9398000" cy="2031325"/>
+          </a:xfrm>
+          <a:prstGeom prst="rect">
+            <a:avLst/>
+          </a:prstGeom>
+          <a:noFill/>
+        </p:spPr>
+        <p:txBody>
+          <a:bodyPr wrap="square" rtlCol="0">
+            <a:spAutoFit/>
+          </a:bodyPr>
+          <a:lstStyle/>
+          <a:p>
+            <a:r>
+              <a:rPr lang="en-US" altLang="ko-KR" dirty="0" smtClean="0"/>
+              <a:t>Student(</a:t>
+            </a:r>
+            <a:r>
+              <a:rPr lang="en-US" altLang="ko-KR" b="1" i="1" u="sng" dirty="0" err="1" smtClean="0"/>
+              <a:t>ssn</a:t>
+            </a:r>
+            <a:r>
+              <a:rPr lang="en-US" altLang="ko-KR" dirty="0" smtClean="0"/>
+              <a:t>, name, </a:t>
+            </a:r>
+            <a:r>
+              <a:rPr lang="en-US" altLang="ko-KR" dirty="0" err="1" smtClean="0"/>
+              <a:t>gra</a:t>
+            </a:r>
+            <a:r>
+              <a:rPr lang="en-US" altLang="ko-KR" dirty="0" smtClean="0"/>
+              <a:t>/se, e-mail, address, phone, date, </a:t>
+            </a:r>
+            <a:r>
+              <a:rPr lang="en-US" altLang="ko-KR" i="1" dirty="0" err="1" smtClean="0">
+                <a:solidFill>
+                  <a:srgbClr val="00B050"/>
+                </a:solidFill>
+              </a:rPr>
+              <a:t>dept_dno</a:t>
+            </a:r>
+            <a:r>
+              <a:rPr lang="en-US" altLang="ko-KR" dirty="0" smtClean="0"/>
+              <a:t>)</a:t>
+            </a:r>
+          </a:p>
+          <a:p>
+            <a:r>
+              <a:rPr lang="en-US" altLang="ko-KR" dirty="0" smtClean="0"/>
+              <a:t>Professor(</a:t>
+            </a:r>
+            <a:r>
+              <a:rPr lang="en-US" altLang="ko-KR" b="1" i="1" u="sng" dirty="0" err="1" smtClean="0"/>
+              <a:t>ssn</a:t>
+            </a:r>
+            <a:r>
+              <a:rPr lang="en-US" altLang="ko-KR" dirty="0" smtClean="0"/>
+              <a:t>, name, address, phone, e-mail)</a:t>
+            </a:r>
+          </a:p>
+          <a:p>
+            <a:r>
+              <a:rPr lang="en-US" altLang="ko-KR" dirty="0" err="1" smtClean="0"/>
+              <a:t>Dept</a:t>
+            </a:r>
+            <a:r>
+              <a:rPr lang="en-US" altLang="ko-KR" dirty="0" smtClean="0"/>
+              <a:t>(</a:t>
+            </a:r>
+            <a:r>
+              <a:rPr lang="en-US" altLang="ko-KR" b="1" i="1" u="sng" dirty="0" err="1" smtClean="0"/>
+              <a:t>dno</a:t>
+            </a:r>
+            <a:r>
+              <a:rPr lang="en-US" altLang="ko-KR" dirty="0" smtClean="0"/>
+              <a:t>, </a:t>
+            </a:r>
+            <a:r>
+              <a:rPr lang="en-US" altLang="ko-KR" dirty="0" err="1" smtClean="0"/>
+              <a:t>dname</a:t>
+            </a:r>
+            <a:r>
+              <a:rPr lang="en-US" altLang="ko-KR" dirty="0" smtClean="0"/>
+              <a:t>, </a:t>
+            </a:r>
+            <a:r>
+              <a:rPr lang="en-US" altLang="ko-KR" dirty="0" err="1" smtClean="0"/>
+              <a:t>tel</a:t>
+            </a:r>
+            <a:r>
+              <a:rPr lang="en-US" altLang="ko-KR" dirty="0" smtClean="0"/>
+              <a:t>, location, </a:t>
+            </a:r>
+            <a:r>
+              <a:rPr lang="en-US" altLang="ko-KR" i="1" dirty="0" err="1" smtClean="0">
+                <a:solidFill>
+                  <a:srgbClr val="00B050"/>
+                </a:solidFill>
+              </a:rPr>
+              <a:t>professor_ssn</a:t>
+            </a:r>
+            <a:r>
+              <a:rPr lang="en-US" altLang="ko-KR" dirty="0" smtClean="0"/>
+              <a:t>)</a:t>
+            </a:r>
+          </a:p>
+          <a:p>
+            <a:r>
+              <a:rPr lang="en-US" altLang="ko-KR" dirty="0" smtClean="0"/>
+              <a:t>Subject(</a:t>
+            </a:r>
+            <a:r>
+              <a:rPr lang="en-US" altLang="ko-KR" b="1" i="1" u="sng" dirty="0" err="1" smtClean="0"/>
+              <a:t>sno</a:t>
+            </a:r>
+            <a:r>
+              <a:rPr lang="en-US" altLang="ko-KR" dirty="0" smtClean="0"/>
+              <a:t>, </a:t>
+            </a:r>
+            <a:r>
+              <a:rPr lang="en-US" altLang="ko-KR" dirty="0" err="1" smtClean="0"/>
+              <a:t>sname</a:t>
+            </a:r>
+            <a:r>
+              <a:rPr lang="en-US" altLang="ko-KR" dirty="0" smtClean="0"/>
+              <a:t>, credit, time, room, </a:t>
+            </a:r>
+            <a:r>
+              <a:rPr lang="en-US" altLang="ko-KR" i="1" dirty="0" err="1" smtClean="0">
+                <a:solidFill>
+                  <a:srgbClr val="00B050"/>
+                </a:solidFill>
+              </a:rPr>
+              <a:t>charge_professor_ssn</a:t>
+            </a:r>
+            <a:r>
+              <a:rPr lang="en-US" altLang="ko-KR" dirty="0" smtClean="0"/>
+              <a:t>)</a:t>
+            </a:r>
+          </a:p>
+          <a:p>
+            <a:endParaRPr lang="en-US" altLang="ko-KR" dirty="0" smtClean="0"/>
+          </a:p>
+          <a:p>
+            <a:r>
+              <a:rPr lang="en-US" altLang="ko-KR" dirty="0" smtClean="0"/>
+              <a:t>N:M</a:t>
+            </a:r>
+            <a:endParaRPr lang="en-US" altLang="ko-KR" dirty="0"/>
+          </a:p>
+          <a:p>
+            <a:r>
+              <a:rPr lang="en-US" altLang="ko-KR" dirty="0" smtClean="0"/>
+              <a:t>Attend(</a:t>
+            </a:r>
+            <a:r>
+              <a:rPr lang="en-US" altLang="ko-KR" i="1" u="sng" dirty="0" err="1" smtClean="0"/>
+              <a:t>student_ssn</a:t>
+            </a:r>
+            <a:r>
+              <a:rPr lang="en-US" altLang="ko-KR" dirty="0" smtClean="0"/>
+              <a:t>, </a:t>
+            </a:r>
+            <a:r>
+              <a:rPr lang="en-US" altLang="ko-KR" i="1" u="sng" dirty="0" err="1" smtClean="0"/>
+              <a:t>subject_sno</a:t>
+            </a:r>
+            <a:r>
+              <a:rPr lang="en-US" altLang="ko-KR" dirty="0" smtClean="0"/>
+              <a:t>)</a:t>
+            </a:r>
+            <a:endParaRPr lang="ko-KR" altLang="en-US" dirty="0"/>
+          </a:p>
+        </p:txBody>
+      </p:sp>
+    </p:spTree>
+    <p:extLst>
+      <p:ext uri="{BB962C8B-B14F-4D97-AF65-F5344CB8AC3E}">
+        <p14:creationId xmlns:p14="http://schemas.microsoft.com/office/powerpoint/2010/main" val="1180679566"/>
       </p:ext>
     </p:extLst>
   </p:cSld>
@@ -4333,7 +5889,7 @@
   <a:extraClrSchemeLst/>
   <a:extLst>
     <a:ext uri="{05A4C25C-085E-4340-85A3-A5531E510DB2}">
-      <thm15:themeFamily xmlns:thm15="http://schemas.microsoft.com/office/thememl/2012/main" name="Office Theme" id="{62F939B6-93AF-4DB8-9C6B-D6C7DFDC589F}" vid="{4A3C46E8-61CC-4603-A589-7422A47A8E4A}"/>
+      <thm15:themeFamily xmlns:thm15="http://schemas.microsoft.com/office/thememl/2012/main" xmlns="" name="Office Theme" id="{62F939B6-93AF-4DB8-9C6B-D6C7DFDC589F}" vid="{4A3C46E8-61CC-4603-A589-7422A47A8E4A}"/>
     </a:ext>
   </a:extLst>
 </a:theme>
